--- a/group-meeting/presentation/前端功能.pptx
+++ b/group-meeting/presentation/前端功能.pptx
@@ -5,8 +5,9 @@
     <p:sldMasterId id="2147483648" r:id="rId1"/>
   </p:sldMasterIdLst>
   <p:sldIdLst>
-    <p:sldId id="257" r:id="rId2"/>
-    <p:sldId id="256" r:id="rId3"/>
+    <p:sldId id="258" r:id="rId2"/>
+    <p:sldId id="257" r:id="rId3"/>
+    <p:sldId id="256" r:id="rId4"/>
   </p:sldIdLst>
   <p:sldSz cx="12192000" cy="6858000"/>
   <p:notesSz cx="6858000" cy="9144000"/>
@@ -105,6 +106,11 @@
       </a:defRPr>
     </a:lvl9pPr>
   </p:defaultTextStyle>
+  <p:extLst>
+    <p:ext uri="{EFAFB233-063F-42B5-8137-9DF3F51BA10A}">
+      <p15:sldGuideLst xmlns:p15="http://schemas.microsoft.com/office/powerpoint/2012/main"/>
+    </p:ext>
+  </p:extLst>
 </p:presentation>
 </file>
 
@@ -3327,6 +3333,96 @@
           <p:cNvPr id="2" name="标题 1">
             <a:extLst>
               <a:ext uri="{FF2B5EF4-FFF2-40B4-BE49-F238E27FC236}">
+                <a16:creationId xmlns:a16="http://schemas.microsoft.com/office/drawing/2014/main" id="{67B8D05F-9E32-4E83-B354-F6E72D5D3BB1}"/>
+              </a:ext>
+            </a:extLst>
+          </p:cNvPr>
+          <p:cNvSpPr>
+            <a:spLocks noGrp="1"/>
+          </p:cNvSpPr>
+          <p:nvPr>
+            <p:ph type="title"/>
+          </p:nvPr>
+        </p:nvSpPr>
+        <p:spPr/>
+        <p:txBody>
+          <a:bodyPr/>
+          <a:lstStyle/>
+          <a:p>
+            <a:endParaRPr lang="zh-CN" altLang="en-US"/>
+          </a:p>
+        </p:txBody>
+      </p:sp>
+      <p:pic>
+        <p:nvPicPr>
+          <p:cNvPr id="5" name="内容占位符 4">
+            <a:extLst>
+              <a:ext uri="{FF2B5EF4-FFF2-40B4-BE49-F238E27FC236}">
+                <a16:creationId xmlns:a16="http://schemas.microsoft.com/office/drawing/2014/main" id="{E20B6EE0-832F-49C2-9D71-AF69C23ADA27}"/>
+              </a:ext>
+            </a:extLst>
+          </p:cNvPr>
+          <p:cNvPicPr>
+            <a:picLocks noGrp="1" noChangeAspect="1"/>
+          </p:cNvPicPr>
+          <p:nvPr>
+            <p:ph idx="1"/>
+          </p:nvPr>
+        </p:nvPicPr>
+        <p:blipFill>
+          <a:blip r:embed="rId2">
+            <a:extLst>
+              <a:ext uri="{28A0092B-C50C-407E-A947-70E740481C1C}">
+                <a14:useLocalDpi xmlns:a14="http://schemas.microsoft.com/office/drawing/2010/main" val="0"/>
+              </a:ext>
+            </a:extLst>
+          </a:blip>
+          <a:stretch>
+            <a:fillRect/>
+          </a:stretch>
+        </p:blipFill>
+        <p:spPr>
+          <a:xfrm>
+            <a:off x="471941" y="0"/>
+            <a:ext cx="11248117" cy="6858000"/>
+          </a:xfrm>
+        </p:spPr>
+      </p:pic>
+    </p:spTree>
+    <p:extLst>
+      <p:ext uri="{BB962C8B-B14F-4D97-AF65-F5344CB8AC3E}">
+        <p14:creationId xmlns:p14="http://schemas.microsoft.com/office/powerpoint/2010/main" val="3548523226"/>
+      </p:ext>
+    </p:extLst>
+  </p:cSld>
+  <p:clrMapOvr>
+    <a:masterClrMapping/>
+  </p:clrMapOvr>
+</p:sld>
+</file>
+
+<file path=ppt/slides/slide2.xml><?xml version="1.0" encoding="utf-8"?>
+<p:sld xmlns:a="http://schemas.openxmlformats.org/drawingml/2006/main" xmlns:r="http://schemas.openxmlformats.org/officeDocument/2006/relationships" xmlns:p="http://schemas.openxmlformats.org/presentationml/2006/main">
+  <p:cSld>
+    <p:spTree>
+      <p:nvGrpSpPr>
+        <p:cNvPr id="1" name=""/>
+        <p:cNvGrpSpPr/>
+        <p:nvPr/>
+      </p:nvGrpSpPr>
+      <p:grpSpPr>
+        <a:xfrm>
+          <a:off x="0" y="0"/>
+          <a:ext cx="0" cy="0"/>
+          <a:chOff x="0" y="0"/>
+          <a:chExt cx="0" cy="0"/>
+        </a:xfrm>
+      </p:grpSpPr>
+      <p:sp>
+        <p:nvSpPr>
+          <p:cNvPr id="2" name="标题 1">
+            <a:extLst>
+              <a:ext uri="{FF2B5EF4-FFF2-40B4-BE49-F238E27FC236}">
                 <a16:creationId xmlns:a16="http://schemas.microsoft.com/office/drawing/2014/main" id="{08E1A934-7258-41E0-BFAE-5118AA7F3F60}"/>
               </a:ext>
             </a:extLst>
@@ -3393,8 +3489,8 @@
         </p:blipFill>
         <p:spPr>
           <a:xfrm>
-            <a:off x="1160342" y="53603"/>
-            <a:ext cx="9675228" cy="6804397"/>
+            <a:off x="1084123" y="1"/>
+            <a:ext cx="9751447" cy="6858000"/>
           </a:xfrm>
           <a:prstGeom prst="rect">
             <a:avLst/>
@@ -3414,7 +3510,7 @@
 </p:sld>
 </file>
 
-<file path=ppt/slides/slide2.xml><?xml version="1.0" encoding="utf-8"?>
+<file path=ppt/slides/slide3.xml><?xml version="1.0" encoding="utf-8"?>
 <p:sld xmlns:a="http://schemas.openxmlformats.org/drawingml/2006/main" xmlns:r="http://schemas.openxmlformats.org/officeDocument/2006/relationships" xmlns:p="http://schemas.openxmlformats.org/presentationml/2006/main">
   <p:cSld>
     <p:spTree>
